--- a/SMKITS5/documentation/SMKITS-Presentation DR2.pptx
+++ b/SMKITS5/documentation/SMKITS-Presentation DR2.pptx
@@ -10928,13 +10928,12 @@
           <p:cNvPicPr preferRelativeResize="0"/>
           <p:nvPr/>
         </p:nvPicPr>
-        <p:blipFill>
+        <p:blipFill rotWithShape="1">
           <a:blip r:embed="rId4">
             <a:alphaModFix/>
           </a:blip>
-          <a:stretch>
-            <a:fillRect/>
-          </a:stretch>
+          <a:srcRect b="0" l="0" r="0" t="0"/>
+          <a:stretch/>
         </p:blipFill>
         <p:spPr>
           <a:xfrm>
@@ -14362,7 +14361,7 @@
                   <a:srgbClr val="000000"/>
                 </a:solidFill>
               </a:rPr>
-              <a:t>Bildformat/MINE-Type</a:t>
+              <a:t>Bildformat/MIME-Type</a:t>
             </a:r>
             <a:endParaRPr sz="1600">
               <a:solidFill>
@@ -15089,7 +15088,7 @@
             <a:tbl>
               <a:tblPr>
                 <a:noFill/>
-                <a:tableStyleId>{88F1537E-8F6F-46D0-BCB1-05F4C5A3E1CE}</a:tableStyleId>
+                <a:tableStyleId>{724E781D-6850-4940-A2EB-7EC5EC853C6B}</a:tableStyleId>
               </a:tblPr>
               <a:tblGrid>
                 <a:gridCol w="1543500"/>
